--- a/Presentazione/Parte_Eli_Gio - Copy.pptx
+++ b/Presentazione/Parte_Eli_Gio - Copy.pptx
@@ -242,7 +242,7 @@
   <pc:docChgLst>
     <pc:chgData name="g.carbone8@campus.unimib.it" userId="b00d38c9-59ca-445d-a206-84026ffe8624" providerId="ADAL" clId="{FD69EEA7-B36B-41F4-8A08-D3422F14508E}"/>
     <pc:docChg chg="undo custSel addSld delSld modSld sldOrd">
-      <pc:chgData name="g.carbone8@campus.unimib.it" userId="b00d38c9-59ca-445d-a206-84026ffe8624" providerId="ADAL" clId="{FD69EEA7-B36B-41F4-8A08-D3422F14508E}" dt="2021-12-27T00:54:05.499" v="1854" actId="14826"/>
+      <pc:chgData name="g.carbone8@campus.unimib.it" userId="b00d38c9-59ca-445d-a206-84026ffe8624" providerId="ADAL" clId="{FD69EEA7-B36B-41F4-8A08-D3422F14508E}" dt="2021-12-27T00:58:56.607" v="1940" actId="20577"/>
       <pc:docMkLst>
         <pc:docMk/>
       </pc:docMkLst>
@@ -340,7 +340,7 @@
         </pc:cxnChg>
       </pc:sldChg>
       <pc:sldChg chg="addSp delSp modSp add mod ord">
-        <pc:chgData name="g.carbone8@campus.unimib.it" userId="b00d38c9-59ca-445d-a206-84026ffe8624" providerId="ADAL" clId="{FD69EEA7-B36B-41F4-8A08-D3422F14508E}" dt="2021-12-27T00:33:25.621" v="1825" actId="20577"/>
+        <pc:chgData name="g.carbone8@campus.unimib.it" userId="b00d38c9-59ca-445d-a206-84026ffe8624" providerId="ADAL" clId="{FD69EEA7-B36B-41F4-8A08-D3422F14508E}" dt="2021-12-27T00:58:56.607" v="1940" actId="20577"/>
         <pc:sldMkLst>
           <pc:docMk/>
           <pc:sldMk cId="462686018" sldId="295"/>
@@ -354,7 +354,7 @@
           </ac:spMkLst>
         </pc:spChg>
         <pc:spChg chg="mod">
-          <ac:chgData name="g.carbone8@campus.unimib.it" userId="b00d38c9-59ca-445d-a206-84026ffe8624" providerId="ADAL" clId="{FD69EEA7-B36B-41F4-8A08-D3422F14508E}" dt="2021-12-27T00:33:25.621" v="1825" actId="20577"/>
+          <ac:chgData name="g.carbone8@campus.unimib.it" userId="b00d38c9-59ca-445d-a206-84026ffe8624" providerId="ADAL" clId="{FD69EEA7-B36B-41F4-8A08-D3422F14508E}" dt="2021-12-27T00:58:56.607" v="1940" actId="20577"/>
           <ac:spMkLst>
             <pc:docMk/>
             <pc:sldMk cId="462686018" sldId="295"/>
@@ -559,7 +559,7 @@
           <a:p>
             <a:fld id="{445FCF14-918E-4047-8BBB-15CFF9EA5E07}" type="datetimeFigureOut">
               <a:rPr lang="it-IT" smtClean="0"/>
-              <a:t>26/12/2021</a:t>
+              <a:t>27/12/2021</a:t>
             </a:fld>
             <a:endParaRPr lang="it-IT"/>
           </a:p>
@@ -973,7 +973,7 @@
           <a:p>
             <a:fld id="{AA3A6BE5-8C39-481F-A270-BEF917F1E5E1}" type="datetimeFigureOut">
               <a:rPr lang="it-IT" smtClean="0"/>
-              <a:t>26/12/2021</a:t>
+              <a:t>27/12/2021</a:t>
             </a:fld>
             <a:endParaRPr lang="it-IT"/>
           </a:p>
@@ -1171,7 +1171,7 @@
           <a:p>
             <a:fld id="{AA3A6BE5-8C39-481F-A270-BEF917F1E5E1}" type="datetimeFigureOut">
               <a:rPr lang="it-IT" smtClean="0"/>
-              <a:t>26/12/2021</a:t>
+              <a:t>27/12/2021</a:t>
             </a:fld>
             <a:endParaRPr lang="it-IT"/>
           </a:p>
@@ -1379,7 +1379,7 @@
           <a:p>
             <a:fld id="{AA3A6BE5-8C39-481F-A270-BEF917F1E5E1}" type="datetimeFigureOut">
               <a:rPr lang="it-IT" smtClean="0"/>
-              <a:t>26/12/2021</a:t>
+              <a:t>27/12/2021</a:t>
             </a:fld>
             <a:endParaRPr lang="it-IT"/>
           </a:p>
@@ -1577,7 +1577,7 @@
           <a:p>
             <a:fld id="{AA3A6BE5-8C39-481F-A270-BEF917F1E5E1}" type="datetimeFigureOut">
               <a:rPr lang="it-IT" smtClean="0"/>
-              <a:t>26/12/2021</a:t>
+              <a:t>27/12/2021</a:t>
             </a:fld>
             <a:endParaRPr lang="it-IT"/>
           </a:p>
@@ -1852,7 +1852,7 @@
           <a:p>
             <a:fld id="{AA3A6BE5-8C39-481F-A270-BEF917F1E5E1}" type="datetimeFigureOut">
               <a:rPr lang="it-IT" smtClean="0"/>
-              <a:t>26/12/2021</a:t>
+              <a:t>27/12/2021</a:t>
             </a:fld>
             <a:endParaRPr lang="it-IT"/>
           </a:p>
@@ -2117,7 +2117,7 @@
           <a:p>
             <a:fld id="{AA3A6BE5-8C39-481F-A270-BEF917F1E5E1}" type="datetimeFigureOut">
               <a:rPr lang="it-IT" smtClean="0"/>
-              <a:t>26/12/2021</a:t>
+              <a:t>27/12/2021</a:t>
             </a:fld>
             <a:endParaRPr lang="it-IT"/>
           </a:p>
@@ -2529,7 +2529,7 @@
           <a:p>
             <a:fld id="{AA3A6BE5-8C39-481F-A270-BEF917F1E5E1}" type="datetimeFigureOut">
               <a:rPr lang="it-IT" smtClean="0"/>
-              <a:t>26/12/2021</a:t>
+              <a:t>27/12/2021</a:t>
             </a:fld>
             <a:endParaRPr lang="it-IT"/>
           </a:p>
@@ -2670,7 +2670,7 @@
           <a:p>
             <a:fld id="{AA3A6BE5-8C39-481F-A270-BEF917F1E5E1}" type="datetimeFigureOut">
               <a:rPr lang="it-IT" smtClean="0"/>
-              <a:t>26/12/2021</a:t>
+              <a:t>27/12/2021</a:t>
             </a:fld>
             <a:endParaRPr lang="it-IT"/>
           </a:p>
@@ -2783,7 +2783,7 @@
           <a:p>
             <a:fld id="{AA3A6BE5-8C39-481F-A270-BEF917F1E5E1}" type="datetimeFigureOut">
               <a:rPr lang="it-IT" smtClean="0"/>
-              <a:t>26/12/2021</a:t>
+              <a:t>27/12/2021</a:t>
             </a:fld>
             <a:endParaRPr lang="it-IT"/>
           </a:p>
@@ -3094,7 +3094,7 @@
           <a:p>
             <a:fld id="{AA3A6BE5-8C39-481F-A270-BEF917F1E5E1}" type="datetimeFigureOut">
               <a:rPr lang="it-IT" smtClean="0"/>
-              <a:t>26/12/2021</a:t>
+              <a:t>27/12/2021</a:t>
             </a:fld>
             <a:endParaRPr lang="it-IT"/>
           </a:p>
@@ -3382,7 +3382,7 @@
           <a:p>
             <a:fld id="{AA3A6BE5-8C39-481F-A270-BEF917F1E5E1}" type="datetimeFigureOut">
               <a:rPr lang="it-IT" smtClean="0"/>
-              <a:t>26/12/2021</a:t>
+              <a:t>27/12/2021</a:t>
             </a:fld>
             <a:endParaRPr lang="it-IT"/>
           </a:p>
@@ -3623,7 +3623,7 @@
           <a:p>
             <a:fld id="{AA3A6BE5-8C39-481F-A270-BEF917F1E5E1}" type="datetimeFigureOut">
               <a:rPr lang="it-IT" smtClean="0"/>
-              <a:t>26/12/2021</a:t>
+              <a:t>27/12/2021</a:t>
             </a:fld>
             <a:endParaRPr lang="it-IT"/>
           </a:p>
@@ -4559,7 +4559,7 @@
         <p:spPr>
           <a:xfrm>
             <a:off x="704848" y="2024062"/>
-            <a:ext cx="5246690" cy="3323987"/>
+            <a:ext cx="5246690" cy="4062651"/>
           </a:xfrm>
           <a:prstGeom prst="rect">
             <a:avLst/>
@@ -4677,6 +4677,98 @@
               </a:rPr>
               <a:t> con le ICTs ?</a:t>
             </a:r>
+          </a:p>
+          <a:p>
+            <a:pPr marL="285750" indent="-285750">
+              <a:spcAft>
+                <a:spcPts val="1200"/>
+              </a:spcAft>
+              <a:buFont typeface="Wingdings" panose="05000000000000000000" pitchFamily="2" charset="2"/>
+              <a:buChar char="q"/>
+            </a:pPr>
+            <a:r>
+              <a:rPr lang="en-US" sz="1400" dirty="0">
+                <a:latin typeface="Poppins Light" panose="00000400000000000000" pitchFamily="2" charset="0"/>
+                <a:cs typeface="Poppins Light" panose="00000400000000000000" pitchFamily="2" charset="0"/>
+              </a:rPr>
+              <a:t>Per </a:t>
+            </a:r>
+            <a:r>
+              <a:rPr lang="en-US" sz="1400" dirty="0" err="1">
+                <a:latin typeface="Poppins Light" panose="00000400000000000000" pitchFamily="2" charset="0"/>
+                <a:cs typeface="Poppins Light" panose="00000400000000000000" pitchFamily="2" charset="0"/>
+              </a:rPr>
+              <a:t>quali</a:t>
+            </a:r>
+            <a:r>
+              <a:rPr lang="en-US" sz="1400" dirty="0">
+                <a:latin typeface="Poppins Light" panose="00000400000000000000" pitchFamily="2" charset="0"/>
+                <a:cs typeface="Poppins Light" panose="00000400000000000000" pitchFamily="2" charset="0"/>
+              </a:rPr>
+              <a:t> </a:t>
+            </a:r>
+            <a:r>
+              <a:rPr lang="en-US" sz="1400" dirty="0" err="1">
+                <a:latin typeface="Poppins Light" panose="00000400000000000000" pitchFamily="2" charset="0"/>
+                <a:cs typeface="Poppins Light" panose="00000400000000000000" pitchFamily="2" charset="0"/>
+              </a:rPr>
+              <a:t>scopi</a:t>
+            </a:r>
+            <a:r>
+              <a:rPr lang="en-US" sz="1400" dirty="0">
+                <a:latin typeface="Poppins Light" panose="00000400000000000000" pitchFamily="2" charset="0"/>
+                <a:cs typeface="Poppins Light" panose="00000400000000000000" pitchFamily="2" charset="0"/>
+              </a:rPr>
+              <a:t> </a:t>
+            </a:r>
+            <a:r>
+              <a:rPr lang="en-US" sz="1400" dirty="0" err="1">
+                <a:latin typeface="Poppins Light" panose="00000400000000000000" pitchFamily="2" charset="0"/>
+                <a:cs typeface="Poppins Light" panose="00000400000000000000" pitchFamily="2" charset="0"/>
+              </a:rPr>
+              <a:t>vengono</a:t>
+            </a:r>
+            <a:r>
+              <a:rPr lang="en-US" sz="1400" dirty="0">
+                <a:latin typeface="Poppins Light" panose="00000400000000000000" pitchFamily="2" charset="0"/>
+                <a:cs typeface="Poppins Light" panose="00000400000000000000" pitchFamily="2" charset="0"/>
+              </a:rPr>
+              <a:t> </a:t>
+            </a:r>
+            <a:r>
+              <a:rPr lang="en-US" sz="1400" dirty="0" err="1">
+                <a:latin typeface="Poppins Light" panose="00000400000000000000" pitchFamily="2" charset="0"/>
+                <a:cs typeface="Poppins Light" panose="00000400000000000000" pitchFamily="2" charset="0"/>
+              </a:rPr>
+              <a:t>usate</a:t>
+            </a:r>
+            <a:r>
+              <a:rPr lang="en-US" sz="1400" dirty="0">
+                <a:latin typeface="Poppins Light" panose="00000400000000000000" pitchFamily="2" charset="0"/>
+                <a:cs typeface="Poppins Light" panose="00000400000000000000" pitchFamily="2" charset="0"/>
+              </a:rPr>
+              <a:t> le ICTs </a:t>
+            </a:r>
+          </a:p>
+          <a:p>
+            <a:pPr marL="742950" lvl="1" indent="-285750">
+              <a:spcAft>
+                <a:spcPts val="1200"/>
+              </a:spcAft>
+              <a:buFont typeface="Arial" panose="020B0604020202020204" pitchFamily="34" charset="0"/>
+              <a:buChar char="•"/>
+            </a:pPr>
+            <a:r>
+              <a:rPr lang="en-US" sz="1400" dirty="0" err="1">
+                <a:latin typeface="Poppins Light" panose="00000400000000000000" pitchFamily="2" charset="0"/>
+                <a:cs typeface="Poppins Light" panose="00000400000000000000" pitchFamily="2" charset="0"/>
+              </a:rPr>
+              <a:t>Questionario</a:t>
+            </a:r>
+            <a:endParaRPr lang="en-US" sz="1400" dirty="0">
+              <a:latin typeface="Poppins Light" panose="00000400000000000000" pitchFamily="2" charset="0"/>
+              <a:cs typeface="Poppins Light" panose="00000400000000000000" pitchFamily="2" charset="0"/>
+            </a:endParaRPr>
           </a:p>
           <a:p>
             <a:pPr marL="285750" indent="-285750">
